--- a/presentation/PraesentationAndroidWS2019.pptx
+++ b/presentation/PraesentationAndroidWS2019.pptx
@@ -14,8 +14,8 @@
     <p:sldId id="267" r:id="rId2"/>
     <p:sldId id="301" r:id="rId3"/>
     <p:sldId id="302" r:id="rId4"/>
-    <p:sldId id="303" r:id="rId5"/>
-    <p:sldId id="306" r:id="rId6"/>
+    <p:sldId id="310" r:id="rId5"/>
+    <p:sldId id="309" r:id="rId6"/>
     <p:sldId id="307" r:id="rId7"/>
     <p:sldId id="308" r:id="rId8"/>
   </p:sldIdLst>
@@ -262,7 +262,7 @@
           <a:p>
             <a:fld id="{BEC3DE6D-5274-244B-B15A-CB35AEE3E9B9}" type="datetimeFigureOut">
               <a:rPr lang="de-DE" smtClean="0"/>
-              <a:t>14.04.20</a:t>
+              <a:t>23.06.20</a:t>
             </a:fld>
             <a:endParaRPr lang="de-DE"/>
           </a:p>
@@ -439,7 +439,7 @@
           <a:p>
             <a:fld id="{5DA3EDBF-8EBB-C249-842F-9CF2CB15B0A8}" type="datetimeFigureOut">
               <a:rPr lang="de-DE" smtClean="0"/>
-              <a:t>14.04.20</a:t>
+              <a:t>23.06.20</a:t>
             </a:fld>
             <a:endParaRPr lang="de-DE"/>
           </a:p>
@@ -1178,7 +1178,7 @@
             <a:fld id="{E14A32BD-6ADA-DC43-872B-494CE3CA729C}" type="datetime4">
               <a:rPr lang="de-DE" smtClean="0"/>
               <a:pPr/>
-              <a:t>14. April 2020</a:t>
+              <a:t>23. Juni 2020</a:t>
             </a:fld>
             <a:endParaRPr lang="de-DE" dirty="0"/>
           </a:p>
@@ -1507,7 +1507,7 @@
             <a:fld id="{2F3B7173-5349-B34C-8D66-CCA412E8736E}" type="datetime4">
               <a:rPr lang="de-DE" smtClean="0"/>
               <a:pPr/>
-              <a:t>14. April 2020</a:t>
+              <a:t>23. Juni 2020</a:t>
             </a:fld>
             <a:endParaRPr lang="de-DE" dirty="0"/>
           </a:p>
@@ -1859,7 +1859,7 @@
             <a:fld id="{2F3B7173-5349-B34C-8D66-CCA412E8736E}" type="datetime4">
               <a:rPr lang="de-DE" smtClean="0"/>
               <a:pPr/>
-              <a:t>14. April 2020</a:t>
+              <a:t>23. Juni 2020</a:t>
             </a:fld>
             <a:endParaRPr lang="de-DE" dirty="0"/>
           </a:p>
@@ -2446,7 +2446,7 @@
           <a:p>
             <a:fld id="{83F252D1-66A5-D346-B818-759EE0A9BA9C}" type="datetime4">
               <a:rPr lang="de-DE" smtClean="0"/>
-              <a:t>14. April 2020</a:t>
+              <a:t>23. Juni 2020</a:t>
             </a:fld>
             <a:endParaRPr lang="de-DE" dirty="0"/>
           </a:p>
@@ -3025,7 +3025,7 @@
             <a:fld id="{2F3B7173-5349-B34C-8D66-CCA412E8736E}" type="datetime4">
               <a:rPr lang="de-DE" smtClean="0"/>
               <a:pPr/>
-              <a:t>14. April 2020</a:t>
+              <a:t>23. Juni 2020</a:t>
             </a:fld>
             <a:endParaRPr lang="de-DE" dirty="0"/>
           </a:p>
@@ -3228,7 +3228,7 @@
             <a:fld id="{2F3B7173-5349-B34C-8D66-CCA412E8736E}" type="datetime4">
               <a:rPr lang="de-DE" smtClean="0"/>
               <a:pPr/>
-              <a:t>14. April 2020</a:t>
+              <a:t>23. Juni 2020</a:t>
             </a:fld>
             <a:endParaRPr lang="de-DE" dirty="0"/>
           </a:p>
@@ -3552,7 +3552,7 @@
             <a:fld id="{2F3B7173-5349-B34C-8D66-CCA412E8736E}" type="datetime4">
               <a:rPr lang="de-DE" smtClean="0"/>
               <a:pPr/>
-              <a:t>14. April 2020</a:t>
+              <a:t>23. Juni 2020</a:t>
             </a:fld>
             <a:endParaRPr lang="de-DE" dirty="0"/>
           </a:p>
@@ -3863,7 +3863,7 @@
             <a:fld id="{2F3B7173-5349-B34C-8D66-CCA412E8736E}" type="datetime4">
               <a:rPr lang="de-DE" smtClean="0"/>
               <a:pPr/>
-              <a:t>14. April 2020</a:t>
+              <a:t>23. Juni 2020</a:t>
             </a:fld>
             <a:endParaRPr lang="de-DE" dirty="0"/>
           </a:p>
@@ -4534,7 +4534,7 @@
           <a:p>
             <a:fld id="{F94FCFC2-5CCD-FD43-82FD-ABD68C1AE5C7}" type="datetime4">
               <a:rPr lang="de-DE" smtClean="0"/>
-              <a:t>14. April 2020</a:t>
+              <a:t>23. Juni 2020</a:t>
             </a:fld>
             <a:endParaRPr lang="de-DE" dirty="0"/>
           </a:p>
@@ -4682,8 +4682,8 @@
         </p:nvSpPr>
         <p:spPr>
           <a:xfrm>
-            <a:off x="360249" y="938410"/>
-            <a:ext cx="7699581" cy="3562152"/>
+            <a:off x="360249" y="1096920"/>
+            <a:ext cx="7699582" cy="3403641"/>
           </a:xfrm>
           <a:prstGeom prst="rect">
             <a:avLst/>
@@ -4898,8 +4898,8 @@
               <a:buAutoNum type="arabicParenR"/>
             </a:pPr>
             <a:r>
-              <a:rPr lang="de-DE" altLang="de-DE" sz="1400" dirty="0"/>
-              <a:t>Was ist „CrewSync“ (Aufgabenstellung)</a:t>
+              <a:rPr lang="de-DE" altLang="de-DE" sz="1800" dirty="0"/>
+              <a:t> Aufgabenstellung</a:t>
             </a:r>
           </a:p>
           <a:p>
@@ -4918,62 +4918,8 @@
               <a:buAutoNum type="arabicParenR"/>
             </a:pPr>
             <a:r>
-              <a:rPr lang="de-DE" altLang="de-DE" sz="1400" dirty="0"/>
-              <a:t>Verwendete Techniken</a:t>
-            </a:r>
-          </a:p>
-          <a:p>
-            <a:pPr lvl="1">
-              <a:lnSpc>
-                <a:spcPct val="150000"/>
-              </a:lnSpc>
-              <a:spcBef>
-                <a:spcPts val="300"/>
-              </a:spcBef>
-              <a:buClr>
-                <a:srgbClr val="005B99"/>
-              </a:buClr>
-              <a:buSzPct val="120000"/>
-            </a:pPr>
-            <a:r>
-              <a:rPr lang="de-DE" altLang="de-DE" sz="1200" dirty="0"/>
-              <a:t>Grundlegendes</a:t>
-            </a:r>
-          </a:p>
-          <a:p>
-            <a:pPr lvl="1">
-              <a:lnSpc>
-                <a:spcPct val="150000"/>
-              </a:lnSpc>
-              <a:spcBef>
-                <a:spcPts val="300"/>
-              </a:spcBef>
-              <a:buClr>
-                <a:srgbClr val="005B99"/>
-              </a:buClr>
-              <a:buSzPct val="120000"/>
-            </a:pPr>
-            <a:r>
-              <a:rPr lang="de-DE" altLang="de-DE" sz="1200" dirty="0"/>
-              <a:t>Parse</a:t>
-            </a:r>
-          </a:p>
-          <a:p>
-            <a:pPr lvl="1">
-              <a:lnSpc>
-                <a:spcPct val="150000"/>
-              </a:lnSpc>
-              <a:spcBef>
-                <a:spcPts val="300"/>
-              </a:spcBef>
-              <a:buClr>
-                <a:srgbClr val="005B99"/>
-              </a:buClr>
-              <a:buSzPct val="120000"/>
-            </a:pPr>
-            <a:r>
-              <a:rPr lang="de-DE" altLang="de-DE" sz="1200" dirty="0"/>
-              <a:t>Tests &amp; Überwachung</a:t>
+              <a:rPr lang="de-DE" altLang="de-DE" sz="1800" dirty="0"/>
+              <a:t> Verwendete Techniken</a:t>
             </a:r>
           </a:p>
           <a:p>
@@ -4992,8 +4938,8 @@
               <a:buAutoNum type="arabicParenR"/>
             </a:pPr>
             <a:r>
-              <a:rPr lang="de-DE" altLang="de-DE" sz="1400" dirty="0"/>
-              <a:t>Demo</a:t>
+              <a:rPr lang="de-DE" altLang="de-DE" sz="1800" dirty="0"/>
+              <a:t> Demo</a:t>
             </a:r>
           </a:p>
         </p:txBody>
@@ -5095,7 +5041,7 @@
           <a:p>
             <a:fld id="{F94FCFC2-5CCD-FD43-82FD-ABD68C1AE5C7}" type="datetime4">
               <a:rPr lang="de-DE" smtClean="0"/>
-              <a:t>14. April 2020</a:t>
+              <a:t>23. Juni 2020</a:t>
             </a:fld>
             <a:endParaRPr lang="de-DE" dirty="0"/>
           </a:p>
@@ -5222,7 +5168,7 @@
           <a:p>
             <a:r>
               <a:rPr lang="de-DE" altLang="de-DE" dirty="0"/>
-              <a:t>Grundlegendes</a:t>
+              <a:t>Aufgabenstellung</a:t>
             </a:r>
           </a:p>
         </p:txBody>
@@ -5456,197 +5402,7 @@
               </a:buClr>
               <a:buSzPct val="120000"/>
             </a:pPr>
-            <a:r>
-              <a:rPr lang="de-DE" altLang="de-DE" sz="1400" dirty="0"/>
-              <a:t>Android Studio</a:t>
-            </a:r>
-          </a:p>
-          <a:p>
-            <a:pPr marL="457200" lvl="1" indent="0">
-              <a:lnSpc>
-                <a:spcPct val="150000"/>
-              </a:lnSpc>
-              <a:spcBef>
-                <a:spcPts val="300"/>
-              </a:spcBef>
-              <a:buClr>
-                <a:srgbClr val="005B99"/>
-              </a:buClr>
-              <a:buSzPct val="120000"/>
-              <a:buNone/>
-            </a:pPr>
-            <a:r>
-              <a:rPr lang="de-DE" altLang="de-DE" sz="1000" dirty="0"/>
-              <a:t>Kostenlose IDE entwickelt von Google und JetBrains, basierend auf IntelliJ</a:t>
-            </a:r>
-          </a:p>
-          <a:p>
-            <a:pPr>
-              <a:lnSpc>
-                <a:spcPct val="150000"/>
-              </a:lnSpc>
-              <a:spcBef>
-                <a:spcPts val="300"/>
-              </a:spcBef>
-              <a:buClr>
-                <a:srgbClr val="005B99"/>
-              </a:buClr>
-              <a:buSzPct val="120000"/>
-            </a:pPr>
-            <a:r>
-              <a:rPr lang="de-DE" altLang="de-DE" sz="1400" dirty="0"/>
-              <a:t>Kotlin</a:t>
-            </a:r>
-          </a:p>
-          <a:p>
-            <a:pPr marL="457200" lvl="1" indent="0">
-              <a:lnSpc>
-                <a:spcPct val="150000"/>
-              </a:lnSpc>
-              <a:spcBef>
-                <a:spcPts val="300"/>
-              </a:spcBef>
-              <a:buClr>
-                <a:srgbClr val="005B99"/>
-              </a:buClr>
-              <a:buSzPct val="120000"/>
-              <a:buNone/>
-            </a:pPr>
-            <a:r>
-              <a:rPr lang="de-DE" altLang="de-DE" sz="1000" dirty="0"/>
-              <a:t>Multiplattform Programmiersprache entwickelt von JetBrains</a:t>
-            </a:r>
-          </a:p>
-          <a:p>
-            <a:pPr>
-              <a:lnSpc>
-                <a:spcPct val="150000"/>
-              </a:lnSpc>
-              <a:spcBef>
-                <a:spcPts val="300"/>
-              </a:spcBef>
-              <a:buClr>
-                <a:srgbClr val="005B99"/>
-              </a:buClr>
-              <a:buSzPct val="120000"/>
-            </a:pPr>
-            <a:r>
-              <a:rPr lang="de-DE" altLang="de-DE" sz="1400" dirty="0"/>
-              <a:t>Bitbucket</a:t>
-            </a:r>
-          </a:p>
-          <a:p>
-            <a:pPr marL="457200" lvl="1" indent="0">
-              <a:lnSpc>
-                <a:spcPct val="150000"/>
-              </a:lnSpc>
-              <a:spcBef>
-                <a:spcPts val="300"/>
-              </a:spcBef>
-              <a:buClr>
-                <a:srgbClr val="005B99"/>
-              </a:buClr>
-              <a:buSzPct val="120000"/>
-              <a:buNone/>
-            </a:pPr>
-            <a:r>
-              <a:rPr lang="de-DE" altLang="de-DE" sz="1000" dirty="0"/>
-              <a:t>Erlaubt private Repositories ohne Kosten</a:t>
-            </a:r>
-          </a:p>
-          <a:p>
-            <a:pPr>
-              <a:lnSpc>
-                <a:spcPct val="150000"/>
-              </a:lnSpc>
-              <a:spcBef>
-                <a:spcPts val="300"/>
-              </a:spcBef>
-              <a:buClr>
-                <a:srgbClr val="005B99"/>
-              </a:buClr>
-              <a:buSzPct val="120000"/>
-            </a:pPr>
-            <a:r>
-              <a:rPr lang="de-DE" altLang="de-DE" sz="1400" dirty="0"/>
-              <a:t>Dokka</a:t>
-            </a:r>
-          </a:p>
-          <a:p>
-            <a:pPr marL="457200" lvl="1" indent="0">
-              <a:lnSpc>
-                <a:spcPct val="150000"/>
-              </a:lnSpc>
-              <a:spcBef>
-                <a:spcPts val="300"/>
-              </a:spcBef>
-              <a:buClr>
-                <a:srgbClr val="005B99"/>
-              </a:buClr>
-              <a:buSzPct val="120000"/>
-              <a:buNone/>
-            </a:pPr>
-            <a:r>
-              <a:rPr lang="de-DE" altLang="de-DE" sz="1000" dirty="0"/>
-              <a:t>Dokumentations-Engine für Kotlin entwickelt von JetBrains</a:t>
-            </a:r>
-          </a:p>
-          <a:p>
-            <a:pPr marL="457200" lvl="1" indent="0">
-              <a:lnSpc>
-                <a:spcPct val="150000"/>
-              </a:lnSpc>
-              <a:spcBef>
-                <a:spcPts val="300"/>
-              </a:spcBef>
-              <a:buClr>
-                <a:srgbClr val="005B99"/>
-              </a:buClr>
-              <a:buSzPct val="120000"/>
-              <a:buNone/>
-            </a:pPr>
-            <a:r>
-              <a:rPr lang="de-DE" altLang="de-DE" sz="1000" dirty="0"/>
-              <a:t>Erlaubt auch gemischten Code (Java/Kotlin)</a:t>
-            </a:r>
             <a:endParaRPr lang="de-DE" altLang="de-DE" sz="1400" dirty="0"/>
-          </a:p>
-          <a:p>
-            <a:pPr>
-              <a:lnSpc>
-                <a:spcPct val="150000"/>
-              </a:lnSpc>
-              <a:spcBef>
-                <a:spcPts val="300"/>
-              </a:spcBef>
-              <a:buClr>
-                <a:srgbClr val="005B99"/>
-              </a:buClr>
-              <a:buSzPct val="120000"/>
-            </a:pPr>
-            <a:r>
-              <a:rPr lang="de-DE" altLang="de-DE" sz="1400" dirty="0"/>
-              <a:t>Firebase Analytics</a:t>
-            </a:r>
-          </a:p>
-          <a:p>
-            <a:pPr marL="457200" lvl="1" indent="0">
-              <a:lnSpc>
-                <a:spcPct val="150000"/>
-              </a:lnSpc>
-              <a:spcBef>
-                <a:spcPts val="300"/>
-              </a:spcBef>
-              <a:buClr>
-                <a:srgbClr val="005B99"/>
-              </a:buClr>
-              <a:buSzPct val="120000"/>
-              <a:buNone/>
-            </a:pPr>
-            <a:r>
-              <a:rPr lang="de-DE" altLang="de-DE" sz="1000" dirty="0"/>
-              <a:t>Genutzt für Analysen (z.B. App-Crashs, Ladezeiten) in Echtzeit</a:t>
-            </a:r>
           </a:p>
         </p:txBody>
       </p:sp>
@@ -5686,6 +5442,314 @@
           </a:prstGeom>
         </p:spPr>
       </p:pic>
+      <p:sp>
+        <p:nvSpPr>
+          <p:cNvPr id="11" name="Inhaltsplatzhalter 27">
+            <a:extLst>
+              <a:ext uri="{FF2B5EF4-FFF2-40B4-BE49-F238E27FC236}">
+                <a16:creationId xmlns:a16="http://schemas.microsoft.com/office/drawing/2014/main" id="{F1405B82-5F68-FB4B-9DF9-E4C863BE1034}"/>
+              </a:ext>
+            </a:extLst>
+          </p:cNvPr>
+          <p:cNvSpPr txBox="1">
+            <a:spLocks/>
+          </p:cNvSpPr>
+          <p:nvPr/>
+        </p:nvSpPr>
+        <p:spPr>
+          <a:xfrm>
+            <a:off x="512649" y="1090810"/>
+            <a:ext cx="7699581" cy="3562152"/>
+          </a:xfrm>
+          <a:prstGeom prst="rect">
+            <a:avLst/>
+          </a:prstGeom>
+        </p:spPr>
+        <p:txBody>
+          <a:bodyPr>
+            <a:noAutofit/>
+          </a:bodyPr>
+          <a:lstStyle>
+            <a:lvl1pPr marL="228600" indent="-228600" algn="l" defTabSz="914400" rtl="0" eaLnBrk="1" latinLnBrk="0" hangingPunct="1">
+              <a:lnSpc>
+                <a:spcPct val="90000"/>
+              </a:lnSpc>
+              <a:spcBef>
+                <a:spcPts val="1000"/>
+              </a:spcBef>
+              <a:buClr>
+                <a:schemeClr val="accent1"/>
+              </a:buClr>
+              <a:buFont typeface="Arial" panose="020B0604020202020204" pitchFamily="34" charset="0"/>
+              <a:buChar char="•"/>
+              <a:defRPr sz="2600" kern="1200">
+                <a:solidFill>
+                  <a:schemeClr val="accent3">
+                    <a:lumMod val="10000"/>
+                  </a:schemeClr>
+                </a:solidFill>
+                <a:latin typeface="Arial" charset="0"/>
+                <a:ea typeface="Arial" charset="0"/>
+                <a:cs typeface="Arial" charset="0"/>
+              </a:defRPr>
+            </a:lvl1pPr>
+            <a:lvl2pPr marL="685800" indent="-228600" algn="l" defTabSz="914400" rtl="0" eaLnBrk="1" latinLnBrk="0" hangingPunct="1">
+              <a:lnSpc>
+                <a:spcPct val="90000"/>
+              </a:lnSpc>
+              <a:spcBef>
+                <a:spcPts val="500"/>
+              </a:spcBef>
+              <a:buClr>
+                <a:schemeClr val="accent1"/>
+              </a:buClr>
+              <a:buFont typeface="Arial" panose="020B0604020202020204" pitchFamily="34" charset="0"/>
+              <a:buChar char="•"/>
+              <a:defRPr sz="2200" kern="1200">
+                <a:solidFill>
+                  <a:schemeClr val="accent3">
+                    <a:lumMod val="10000"/>
+                  </a:schemeClr>
+                </a:solidFill>
+                <a:latin typeface="Arial" charset="0"/>
+                <a:ea typeface="Arial" charset="0"/>
+                <a:cs typeface="Arial" charset="0"/>
+              </a:defRPr>
+            </a:lvl2pPr>
+            <a:lvl3pPr marL="1143000" indent="-228600" algn="l" defTabSz="914400" rtl="0" eaLnBrk="1" latinLnBrk="0" hangingPunct="1">
+              <a:lnSpc>
+                <a:spcPct val="90000"/>
+              </a:lnSpc>
+              <a:spcBef>
+                <a:spcPts val="500"/>
+              </a:spcBef>
+              <a:buClr>
+                <a:schemeClr val="accent1"/>
+              </a:buClr>
+              <a:buFont typeface="Arial" panose="020B0604020202020204" pitchFamily="34" charset="0"/>
+              <a:buChar char="•"/>
+              <a:defRPr sz="1800" kern="1200">
+                <a:solidFill>
+                  <a:schemeClr val="accent3">
+                    <a:lumMod val="10000"/>
+                  </a:schemeClr>
+                </a:solidFill>
+                <a:latin typeface="Arial" charset="0"/>
+                <a:ea typeface="Arial" charset="0"/>
+                <a:cs typeface="Arial" charset="0"/>
+              </a:defRPr>
+            </a:lvl3pPr>
+            <a:lvl4pPr marL="1600200" indent="-228600" algn="l" defTabSz="914400" rtl="0" eaLnBrk="1" latinLnBrk="0" hangingPunct="1">
+              <a:lnSpc>
+                <a:spcPct val="90000"/>
+              </a:lnSpc>
+              <a:spcBef>
+                <a:spcPts val="500"/>
+              </a:spcBef>
+              <a:buClr>
+                <a:schemeClr val="accent1"/>
+              </a:buClr>
+              <a:buFont typeface="Arial" panose="020B0604020202020204" pitchFamily="34" charset="0"/>
+              <a:buChar char="•"/>
+              <a:defRPr sz="1600" kern="1200">
+                <a:solidFill>
+                  <a:schemeClr val="accent3">
+                    <a:lumMod val="10000"/>
+                  </a:schemeClr>
+                </a:solidFill>
+                <a:latin typeface="Arial" charset="0"/>
+                <a:ea typeface="Arial" charset="0"/>
+                <a:cs typeface="Arial" charset="0"/>
+              </a:defRPr>
+            </a:lvl4pPr>
+            <a:lvl5pPr marL="2057400" indent="-228600" algn="l" defTabSz="914400" rtl="0" eaLnBrk="1" latinLnBrk="0" hangingPunct="1">
+              <a:lnSpc>
+                <a:spcPct val="90000"/>
+              </a:lnSpc>
+              <a:spcBef>
+                <a:spcPts val="500"/>
+              </a:spcBef>
+              <a:buClr>
+                <a:schemeClr val="accent1"/>
+              </a:buClr>
+              <a:buFont typeface="Arial" panose="020B0604020202020204" pitchFamily="34" charset="0"/>
+              <a:buChar char="•"/>
+              <a:defRPr sz="1400" kern="1200">
+                <a:solidFill>
+                  <a:schemeClr val="accent3">
+                    <a:lumMod val="10000"/>
+                  </a:schemeClr>
+                </a:solidFill>
+                <a:latin typeface="Arial" charset="0"/>
+                <a:ea typeface="Arial" charset="0"/>
+                <a:cs typeface="Arial" charset="0"/>
+              </a:defRPr>
+            </a:lvl5pPr>
+            <a:lvl6pPr marL="2514600" indent="-228600" algn="l" defTabSz="914400" rtl="0" eaLnBrk="1" latinLnBrk="0" hangingPunct="1">
+              <a:lnSpc>
+                <a:spcPct val="90000"/>
+              </a:lnSpc>
+              <a:spcBef>
+                <a:spcPts val="500"/>
+              </a:spcBef>
+              <a:buFont typeface="Arial" panose="020B0604020202020204" pitchFamily="34" charset="0"/>
+              <a:buChar char="•"/>
+              <a:defRPr sz="1800" kern="1200">
+                <a:solidFill>
+                  <a:schemeClr val="tx1"/>
+                </a:solidFill>
+                <a:latin typeface="+mn-lt"/>
+                <a:ea typeface="+mn-ea"/>
+                <a:cs typeface="+mn-cs"/>
+              </a:defRPr>
+            </a:lvl6pPr>
+            <a:lvl7pPr marL="2971800" indent="-228600" algn="l" defTabSz="914400" rtl="0" eaLnBrk="1" latinLnBrk="0" hangingPunct="1">
+              <a:lnSpc>
+                <a:spcPct val="90000"/>
+              </a:lnSpc>
+              <a:spcBef>
+                <a:spcPts val="500"/>
+              </a:spcBef>
+              <a:buFont typeface="Arial" panose="020B0604020202020204" pitchFamily="34" charset="0"/>
+              <a:buChar char="•"/>
+              <a:defRPr sz="1800" kern="1200">
+                <a:solidFill>
+                  <a:schemeClr val="tx1"/>
+                </a:solidFill>
+                <a:latin typeface="+mn-lt"/>
+                <a:ea typeface="+mn-ea"/>
+                <a:cs typeface="+mn-cs"/>
+              </a:defRPr>
+            </a:lvl7pPr>
+            <a:lvl8pPr marL="3429000" indent="-228600" algn="l" defTabSz="914400" rtl="0" eaLnBrk="1" latinLnBrk="0" hangingPunct="1">
+              <a:lnSpc>
+                <a:spcPct val="90000"/>
+              </a:lnSpc>
+              <a:spcBef>
+                <a:spcPts val="500"/>
+              </a:spcBef>
+              <a:buFont typeface="Arial" panose="020B0604020202020204" pitchFamily="34" charset="0"/>
+              <a:buChar char="•"/>
+              <a:defRPr sz="1800" kern="1200">
+                <a:solidFill>
+                  <a:schemeClr val="tx1"/>
+                </a:solidFill>
+                <a:latin typeface="+mn-lt"/>
+                <a:ea typeface="+mn-ea"/>
+                <a:cs typeface="+mn-cs"/>
+              </a:defRPr>
+            </a:lvl8pPr>
+            <a:lvl9pPr marL="3886200" indent="-228600" algn="l" defTabSz="914400" rtl="0" eaLnBrk="1" latinLnBrk="0" hangingPunct="1">
+              <a:lnSpc>
+                <a:spcPct val="90000"/>
+              </a:lnSpc>
+              <a:spcBef>
+                <a:spcPts val="500"/>
+              </a:spcBef>
+              <a:buFont typeface="Arial" panose="020B0604020202020204" pitchFamily="34" charset="0"/>
+              <a:buChar char="•"/>
+              <a:defRPr sz="1800" kern="1200">
+                <a:solidFill>
+                  <a:schemeClr val="tx1"/>
+                </a:solidFill>
+                <a:latin typeface="+mn-lt"/>
+                <a:ea typeface="+mn-ea"/>
+                <a:cs typeface="+mn-cs"/>
+              </a:defRPr>
+            </a:lvl9pPr>
+          </a:lstStyle>
+          <a:p>
+            <a:pPr>
+              <a:lnSpc>
+                <a:spcPct val="150000"/>
+              </a:lnSpc>
+              <a:spcBef>
+                <a:spcPts val="300"/>
+              </a:spcBef>
+              <a:buClr>
+                <a:srgbClr val="005B99"/>
+              </a:buClr>
+              <a:buSzPct val="120000"/>
+            </a:pPr>
+            <a:r>
+              <a:rPr lang="de-DE" altLang="de-DE" sz="1800" dirty="0"/>
+              <a:t>Zentrales verwalten von unterschiedlichen Gruppen</a:t>
+            </a:r>
+          </a:p>
+          <a:p>
+            <a:pPr>
+              <a:lnSpc>
+                <a:spcPct val="150000"/>
+              </a:lnSpc>
+              <a:spcBef>
+                <a:spcPts val="300"/>
+              </a:spcBef>
+              <a:buClr>
+                <a:srgbClr val="005B99"/>
+              </a:buClr>
+              <a:buSzPct val="120000"/>
+            </a:pPr>
+            <a:r>
+              <a:rPr lang="de-DE" altLang="de-DE" sz="1800" dirty="0"/>
+              <a:t>Verschiedene Module:</a:t>
+            </a:r>
+          </a:p>
+          <a:p>
+            <a:pPr lvl="1">
+              <a:lnSpc>
+                <a:spcPct val="150000"/>
+              </a:lnSpc>
+              <a:spcBef>
+                <a:spcPts val="300"/>
+              </a:spcBef>
+              <a:buClr>
+                <a:srgbClr val="005B99"/>
+              </a:buClr>
+              <a:buSzPct val="120000"/>
+            </a:pPr>
+            <a:r>
+              <a:rPr lang="de-DE" altLang="de-DE" sz="1600" dirty="0"/>
+              <a:t>Chat (global)</a:t>
+            </a:r>
+          </a:p>
+          <a:p>
+            <a:pPr lvl="1">
+              <a:lnSpc>
+                <a:spcPct val="150000"/>
+              </a:lnSpc>
+              <a:spcBef>
+                <a:spcPts val="300"/>
+              </a:spcBef>
+              <a:buClr>
+                <a:srgbClr val="005B99"/>
+              </a:buClr>
+              <a:buSzPct val="120000"/>
+            </a:pPr>
+            <a:r>
+              <a:rPr lang="de-DE" altLang="de-DE" sz="1600" dirty="0"/>
+              <a:t>Gruppen</a:t>
+            </a:r>
+          </a:p>
+          <a:p>
+            <a:pPr lvl="1">
+              <a:lnSpc>
+                <a:spcPct val="150000"/>
+              </a:lnSpc>
+              <a:spcBef>
+                <a:spcPts val="300"/>
+              </a:spcBef>
+              <a:buClr>
+                <a:srgbClr val="005B99"/>
+              </a:buClr>
+              <a:buSzPct val="120000"/>
+            </a:pPr>
+            <a:r>
+              <a:rPr lang="de-DE" altLang="de-DE" sz="1600" dirty="0"/>
+              <a:t>Synchronisierte Checkliste (je Gruppe)</a:t>
+            </a:r>
+          </a:p>
+        </p:txBody>
+      </p:sp>
     </p:spTree>
     <p:extLst>
       <p:ext uri="{BB962C8B-B14F-4D97-AF65-F5344CB8AC3E}">
@@ -5747,7 +5811,7 @@
           <a:p>
             <a:fld id="{F94FCFC2-5CCD-FD43-82FD-ABD68C1AE5C7}" type="datetime4">
               <a:rPr lang="de-DE" smtClean="0"/>
-              <a:t>14. April 2020</a:t>
+              <a:t>23. Juni 2020</a:t>
             </a:fld>
             <a:endParaRPr lang="de-DE" dirty="0"/>
           </a:p>
@@ -5874,7 +5938,7 @@
           <a:p>
             <a:r>
               <a:rPr lang="de-DE" altLang="de-DE" dirty="0"/>
-              <a:t>Parse</a:t>
+              <a:t>Verwendete Techniken</a:t>
             </a:r>
           </a:p>
         </p:txBody>
@@ -6109,24 +6173,27 @@
               <a:buSzPct val="120000"/>
             </a:pPr>
             <a:r>
+              <a:rPr lang="de-DE" altLang="de-DE" sz="1800" dirty="0"/>
+              <a:t>Android Studio</a:t>
+            </a:r>
+          </a:p>
+          <a:p>
+            <a:pPr marL="457200" lvl="1" indent="0">
+              <a:lnSpc>
+                <a:spcPct val="150000"/>
+              </a:lnSpc>
+              <a:spcBef>
+                <a:spcPts val="300"/>
+              </a:spcBef>
+              <a:buClr>
+                <a:srgbClr val="005B99"/>
+              </a:buClr>
+              <a:buSzPct val="120000"/>
+              <a:buNone/>
+            </a:pPr>
+            <a:r>
               <a:rPr lang="de-DE" altLang="de-DE" sz="1400" dirty="0"/>
-              <a:t>Stellte „Mobile backend </a:t>
-            </a:r>
-            <a:r>
-              <a:rPr lang="de-DE" altLang="de-DE" sz="1400" dirty="0" err="1"/>
-              <a:t>as</a:t>
-            </a:r>
-            <a:r>
-              <a:rPr lang="de-DE" altLang="de-DE" sz="1400" dirty="0"/>
-              <a:t> a </a:t>
-            </a:r>
-            <a:r>
-              <a:rPr lang="de-DE" altLang="de-DE" sz="1400" dirty="0" err="1"/>
-              <a:t>service</a:t>
-            </a:r>
-            <a:r>
-              <a:rPr lang="de-DE" altLang="de-DE" sz="1400" dirty="0"/>
-              <a:t>“ bereit</a:t>
+              <a:t>Kostenlose IDE entwickelt von Google und JetBrains, basierend auf IntelliJ</a:t>
             </a:r>
           </a:p>
           <a:p>
@@ -6143,8 +6210,27 @@
               <a:buSzPct val="120000"/>
             </a:pPr>
             <a:r>
+              <a:rPr lang="de-DE" altLang="de-DE" sz="1800" dirty="0"/>
+              <a:t>Kotlin</a:t>
+            </a:r>
+          </a:p>
+          <a:p>
+            <a:pPr marL="457200" lvl="1" indent="0">
+              <a:lnSpc>
+                <a:spcPct val="150000"/>
+              </a:lnSpc>
+              <a:spcBef>
+                <a:spcPts val="300"/>
+              </a:spcBef>
+              <a:buClr>
+                <a:srgbClr val="005B99"/>
+              </a:buClr>
+              <a:buSzPct val="120000"/>
+              <a:buNone/>
+            </a:pPr>
+            <a:r>
               <a:rPr lang="de-DE" altLang="de-DE" sz="1400" dirty="0"/>
-              <a:t>Entwickelt von Parse, Inc. und aufgekauft von Facebook</a:t>
+              <a:t>Multiplattform Programmiersprache entwickelt von JetBrains</a:t>
             </a:r>
           </a:p>
           <a:p>
@@ -6161,8 +6247,27 @@
               <a:buSzPct val="120000"/>
             </a:pPr>
             <a:r>
+              <a:rPr lang="de-DE" altLang="de-DE" sz="1800" dirty="0"/>
+              <a:t>Parse</a:t>
+            </a:r>
+          </a:p>
+          <a:p>
+            <a:pPr marL="457200" lvl="1" indent="0">
+              <a:lnSpc>
+                <a:spcPct val="150000"/>
+              </a:lnSpc>
+              <a:spcBef>
+                <a:spcPts val="300"/>
+              </a:spcBef>
+              <a:buClr>
+                <a:srgbClr val="005B99"/>
+              </a:buClr>
+              <a:buSzPct val="120000"/>
+              <a:buNone/>
+            </a:pPr>
+            <a:r>
               <a:rPr lang="de-DE" altLang="de-DE" sz="1400" dirty="0"/>
-              <a:t>Open Source und Community-gepflegt seit 2016</a:t>
+              <a:t>Open Source Backend</a:t>
             </a:r>
           </a:p>
           <a:p>
@@ -6179,12 +6284,12 @@
               <a:buSzPct val="120000"/>
             </a:pPr>
             <a:r>
-              <a:rPr lang="de-DE" altLang="de-DE" sz="1400" dirty="0"/>
-              <a:t>Wird von mehreren Providern teilweise kostenlos bereitgestellt (z.B. back4app.com)</a:t>
-            </a:r>
-          </a:p>
-          <a:p>
-            <a:pPr>
+              <a:rPr lang="de-DE" altLang="de-DE" sz="1800" dirty="0"/>
+              <a:t>Bitbucket</a:t>
+            </a:r>
+          </a:p>
+          <a:p>
+            <a:pPr marL="457200" lvl="1" indent="0">
               <a:lnSpc>
                 <a:spcPct val="150000"/>
               </a:lnSpc>
@@ -6195,25 +6300,12 @@
                 <a:srgbClr val="005B99"/>
               </a:buClr>
               <a:buSzPct val="120000"/>
+              <a:buNone/>
             </a:pPr>
             <a:r>
               <a:rPr lang="de-DE" altLang="de-DE" sz="1400" dirty="0"/>
-              <a:t>Eigenes Hosting des Dienstes ebenfalls möglich</a:t>
-            </a:r>
-          </a:p>
-          <a:p>
-            <a:pPr>
-              <a:lnSpc>
-                <a:spcPct val="150000"/>
-              </a:lnSpc>
-              <a:spcBef>
-                <a:spcPts val="300"/>
-              </a:spcBef>
-              <a:buSzPct val="120000"/>
-              <a:buFont typeface="Wingdings" pitchFamily="2" charset="2"/>
-              <a:buChar char="Ø"/>
-            </a:pPr>
-            <a:endParaRPr lang="de-DE" altLang="de-DE" sz="1400" dirty="0"/>
+              <a:t>Erlaubt private Repositories ohne Kosten</a:t>
+            </a:r>
           </a:p>
         </p:txBody>
       </p:sp>
@@ -6253,180 +6345,10 @@
           </a:prstGeom>
         </p:spPr>
       </p:pic>
-      <p:sp>
-        <p:nvSpPr>
-          <p:cNvPr id="2" name="Textfeld 1">
-            <a:extLst>
-              <a:ext uri="{FF2B5EF4-FFF2-40B4-BE49-F238E27FC236}">
-                <a16:creationId xmlns:a16="http://schemas.microsoft.com/office/drawing/2014/main" id="{2AB86F15-5282-194F-AFDF-3A0A24D7AF88}"/>
-              </a:ext>
-            </a:extLst>
-          </p:cNvPr>
-          <p:cNvSpPr txBox="1"/>
-          <p:nvPr/>
-        </p:nvSpPr>
-        <p:spPr>
-          <a:xfrm>
-            <a:off x="360248" y="3462727"/>
-            <a:ext cx="3679601" cy="738664"/>
-          </a:xfrm>
-          <a:prstGeom prst="rect">
-            <a:avLst/>
-          </a:prstGeom>
-          <a:noFill/>
-        </p:spPr>
-        <p:txBody>
-          <a:bodyPr wrap="square" rtlCol="0">
-            <a:spAutoFit/>
-          </a:bodyPr>
-          <a:lstStyle/>
-          <a:p>
-            <a:r>
-              <a:rPr lang="de-DE" sz="1400" dirty="0">
-                <a:solidFill>
-                  <a:schemeClr val="accent3">
-                    <a:lumMod val="10000"/>
-                  </a:schemeClr>
-                </a:solidFill>
-                <a:latin typeface="Arial" panose="020B0604020202020204" pitchFamily="34" charset="0"/>
-                <a:cs typeface="Arial" panose="020B0604020202020204" pitchFamily="34" charset="0"/>
-              </a:rPr>
-              <a:t>Pro</a:t>
-            </a:r>
-          </a:p>
-          <a:p>
-            <a:pPr marL="285750" indent="-285750">
-              <a:buClr>
-                <a:srgbClr val="00B050"/>
-              </a:buClr>
-              <a:buFont typeface="Wingdings" pitchFamily="2" charset="2"/>
-              <a:buChar char="ü"/>
-            </a:pPr>
-            <a:r>
-              <a:rPr lang="de-DE" sz="1400" dirty="0">
-                <a:solidFill>
-                  <a:schemeClr val="accent3">
-                    <a:lumMod val="10000"/>
-                  </a:schemeClr>
-                </a:solidFill>
-                <a:latin typeface="Arial" panose="020B0604020202020204" pitchFamily="34" charset="0"/>
-                <a:cs typeface="Arial" panose="020B0604020202020204" pitchFamily="34" charset="0"/>
-              </a:rPr>
-              <a:t>Open Source</a:t>
-            </a:r>
-          </a:p>
-          <a:p>
-            <a:pPr marL="285750" indent="-285750">
-              <a:buClr>
-                <a:srgbClr val="00B050"/>
-              </a:buClr>
-              <a:buFont typeface="Wingdings" pitchFamily="2" charset="2"/>
-              <a:buChar char="ü"/>
-            </a:pPr>
-            <a:r>
-              <a:rPr lang="de-DE" sz="1400" dirty="0">
-                <a:solidFill>
-                  <a:schemeClr val="accent3">
-                    <a:lumMod val="10000"/>
-                  </a:schemeClr>
-                </a:solidFill>
-                <a:latin typeface="Arial" panose="020B0604020202020204" pitchFamily="34" charset="0"/>
-                <a:cs typeface="Arial" panose="020B0604020202020204" pitchFamily="34" charset="0"/>
-              </a:rPr>
-              <a:t>Daten liegen auf eigenem Server</a:t>
-            </a:r>
-          </a:p>
-        </p:txBody>
-      </p:sp>
-      <p:sp>
-        <p:nvSpPr>
-          <p:cNvPr id="9" name="Textfeld 8">
-            <a:extLst>
-              <a:ext uri="{FF2B5EF4-FFF2-40B4-BE49-F238E27FC236}">
-                <a16:creationId xmlns:a16="http://schemas.microsoft.com/office/drawing/2014/main" id="{2F06E2EB-06CB-ED43-BD44-BD0093BB4663}"/>
-              </a:ext>
-            </a:extLst>
-          </p:cNvPr>
-          <p:cNvSpPr txBox="1"/>
-          <p:nvPr/>
-        </p:nvSpPr>
-        <p:spPr>
-          <a:xfrm>
-            <a:off x="4039849" y="3466713"/>
-            <a:ext cx="3678403" cy="738664"/>
-          </a:xfrm>
-          <a:prstGeom prst="rect">
-            <a:avLst/>
-          </a:prstGeom>
-          <a:noFill/>
-        </p:spPr>
-        <p:txBody>
-          <a:bodyPr wrap="square" rtlCol="0">
-            <a:spAutoFit/>
-          </a:bodyPr>
-          <a:lstStyle/>
-          <a:p>
-            <a:r>
-              <a:rPr lang="de-DE" sz="1400" dirty="0">
-                <a:solidFill>
-                  <a:schemeClr val="accent3">
-                    <a:lumMod val="10000"/>
-                  </a:schemeClr>
-                </a:solidFill>
-                <a:latin typeface="Arial" panose="020B0604020202020204" pitchFamily="34" charset="0"/>
-                <a:cs typeface="Arial" panose="020B0604020202020204" pitchFamily="34" charset="0"/>
-              </a:rPr>
-              <a:t>Contra</a:t>
-            </a:r>
-          </a:p>
-          <a:p>
-            <a:pPr marL="285750" indent="-285750">
-              <a:buClr>
-                <a:srgbClr val="FF0000"/>
-              </a:buClr>
-              <a:buFont typeface="Symbol" pitchFamily="2" charset="2"/>
-              <a:buChar char="-"/>
-            </a:pPr>
-            <a:r>
-              <a:rPr lang="de-DE" sz="1400" dirty="0">
-                <a:solidFill>
-                  <a:schemeClr val="accent3">
-                    <a:lumMod val="10000"/>
-                  </a:schemeClr>
-                </a:solidFill>
-                <a:latin typeface="Arial" panose="020B0604020202020204" pitchFamily="34" charset="0"/>
-                <a:cs typeface="Arial" panose="020B0604020202020204" pitchFamily="34" charset="0"/>
-              </a:rPr>
-              <a:t>Teilweise wenig Dokumentation</a:t>
-            </a:r>
-          </a:p>
-          <a:p>
-            <a:pPr marL="285750" indent="-285750">
-              <a:buClr>
-                <a:srgbClr val="FF0000"/>
-              </a:buClr>
-              <a:buFont typeface="Symbol" pitchFamily="2" charset="2"/>
-              <a:buChar char="-"/>
-            </a:pPr>
-            <a:r>
-              <a:rPr lang="de-DE" sz="1400" dirty="0">
-                <a:solidFill>
-                  <a:schemeClr val="accent3">
-                    <a:lumMod val="10000"/>
-                  </a:schemeClr>
-                </a:solidFill>
-                <a:latin typeface="Arial" panose="020B0604020202020204" pitchFamily="34" charset="0"/>
-                <a:cs typeface="Arial" panose="020B0604020202020204" pitchFamily="34" charset="0"/>
-              </a:rPr>
-              <a:t>Teilweise umständlicher als Firebase</a:t>
-            </a:r>
-          </a:p>
-        </p:txBody>
-      </p:sp>
     </p:spTree>
     <p:extLst>
       <p:ext uri="{BB962C8B-B14F-4D97-AF65-F5344CB8AC3E}">
-        <p14:creationId xmlns:p14="http://schemas.microsoft.com/office/powerpoint/2010/main" val="1084899346"/>
+        <p14:creationId xmlns:p14="http://schemas.microsoft.com/office/powerpoint/2010/main" val="856334518"/>
       </p:ext>
     </p:extLst>
   </p:cSld>
@@ -6484,7 +6406,7 @@
           <a:p>
             <a:fld id="{F94FCFC2-5CCD-FD43-82FD-ABD68C1AE5C7}" type="datetime4">
               <a:rPr lang="de-DE" smtClean="0"/>
-              <a:t>14. April 2020</a:t>
+              <a:t>23. Juni 2020</a:t>
             </a:fld>
             <a:endParaRPr lang="de-DE" dirty="0"/>
           </a:p>
@@ -6611,7 +6533,7 @@
           <a:p>
             <a:r>
               <a:rPr lang="de-DE" altLang="de-DE" dirty="0"/>
-              <a:t>Tests &amp; Überwachung</a:t>
+              <a:t>Verwendete Techniken</a:t>
             </a:r>
           </a:p>
         </p:txBody>
@@ -6833,19 +6755,96 @@
             </a:lvl9pPr>
           </a:lstStyle>
           <a:p>
-            <a:pPr marL="0" indent="0">
+            <a:pPr>
               <a:lnSpc>
                 <a:spcPct val="150000"/>
               </a:lnSpc>
               <a:spcBef>
                 <a:spcPts val="300"/>
               </a:spcBef>
+              <a:buClr>
+                <a:srgbClr val="005B99"/>
+              </a:buClr>
+              <a:buSzPct val="120000"/>
+            </a:pPr>
+            <a:r>
+              <a:rPr lang="de-DE" altLang="de-DE" sz="1800" dirty="0"/>
+              <a:t>Dokka</a:t>
+            </a:r>
+          </a:p>
+          <a:p>
+            <a:pPr marL="457200" lvl="1" indent="0">
+              <a:lnSpc>
+                <a:spcPct val="150000"/>
+              </a:lnSpc>
+              <a:spcBef>
+                <a:spcPts val="300"/>
+              </a:spcBef>
+              <a:buClr>
+                <a:srgbClr val="005B99"/>
+              </a:buClr>
               <a:buSzPct val="120000"/>
               <a:buNone/>
             </a:pPr>
             <a:r>
               <a:rPr lang="de-DE" altLang="de-DE" sz="1400" dirty="0"/>
-              <a:t>JUnit5, Espresso &amp; Firebase Analytics</a:t>
+              <a:t>Dokumentations-Engine für Kotlin entwickelt von JetBrains</a:t>
+            </a:r>
+          </a:p>
+          <a:p>
+            <a:pPr marL="457200" lvl="1" indent="0">
+              <a:lnSpc>
+                <a:spcPct val="150000"/>
+              </a:lnSpc>
+              <a:spcBef>
+                <a:spcPts val="300"/>
+              </a:spcBef>
+              <a:buClr>
+                <a:srgbClr val="005B99"/>
+              </a:buClr>
+              <a:buSzPct val="120000"/>
+              <a:buNone/>
+            </a:pPr>
+            <a:r>
+              <a:rPr lang="de-DE" altLang="de-DE" sz="1400" dirty="0"/>
+              <a:t>Erlaubt auch gemischten Code (Java/Kotlin)</a:t>
+            </a:r>
+          </a:p>
+          <a:p>
+            <a:pPr>
+              <a:lnSpc>
+                <a:spcPct val="150000"/>
+              </a:lnSpc>
+              <a:spcBef>
+                <a:spcPts val="300"/>
+              </a:spcBef>
+              <a:buClr>
+                <a:srgbClr val="005B99"/>
+              </a:buClr>
+              <a:buSzPct val="120000"/>
+            </a:pPr>
+            <a:r>
+              <a:rPr lang="de-DE" altLang="de-DE" sz="1800" dirty="0"/>
+              <a:t>Firebase Analytics</a:t>
+            </a:r>
+          </a:p>
+          <a:p>
+            <a:pPr marL="457200" lvl="1" indent="0">
+              <a:lnSpc>
+                <a:spcPct val="150000"/>
+              </a:lnSpc>
+              <a:spcBef>
+                <a:spcPts val="300"/>
+              </a:spcBef>
+              <a:buClr>
+                <a:srgbClr val="005B99"/>
+              </a:buClr>
+              <a:buSzPct val="120000"/>
+              <a:buNone/>
+            </a:pPr>
+            <a:r>
+              <a:rPr lang="de-DE" altLang="de-DE" sz="1400" dirty="0"/>
+              <a:t>Genutzt für Analysen (z.B. App-Crashs, Ladezeiten) in Echtzeit</a:t>
             </a:r>
           </a:p>
         </p:txBody>
@@ -6889,7 +6888,7 @@
     </p:spTree>
     <p:extLst>
       <p:ext uri="{BB962C8B-B14F-4D97-AF65-F5344CB8AC3E}">
-        <p14:creationId xmlns:p14="http://schemas.microsoft.com/office/powerpoint/2010/main" val="630113593"/>
+        <p14:creationId xmlns:p14="http://schemas.microsoft.com/office/powerpoint/2010/main" val="938362338"/>
       </p:ext>
     </p:extLst>
   </p:cSld>
@@ -6947,7 +6946,7 @@
           <a:p>
             <a:fld id="{F94FCFC2-5CCD-FD43-82FD-ABD68C1AE5C7}" type="datetime4">
               <a:rPr lang="de-DE" smtClean="0"/>
-              <a:t>14. April 2020</a:t>
+              <a:t>23. Juni 2020</a:t>
             </a:fld>
             <a:endParaRPr lang="de-DE" dirty="0"/>
           </a:p>
@@ -7306,10 +7305,7 @@
               <a:buSzPct val="120000"/>
               <a:buNone/>
             </a:pPr>
-            <a:r>
-              <a:rPr lang="de-DE" altLang="de-DE" sz="1400" dirty="0"/>
-              <a:t>Demo im Emulator</a:t>
-            </a:r>
+            <a:endParaRPr lang="de-DE" altLang="de-DE" sz="1400" dirty="0"/>
           </a:p>
         </p:txBody>
       </p:sp>
@@ -7410,7 +7406,7 @@
           <a:p>
             <a:fld id="{F94FCFC2-5CCD-FD43-82FD-ABD68C1AE5C7}" type="datetime4">
               <a:rPr lang="de-DE" smtClean="0"/>
-              <a:t>14. April 2020</a:t>
+              <a:t>23. Juni 2020</a:t>
             </a:fld>
             <a:endParaRPr lang="de-DE" dirty="0"/>
           </a:p>
@@ -7894,14 +7890,18 @@
               <a:buNone/>
             </a:pPr>
             <a:r>
+              <a:rPr lang="de-DE" altLang="de-DE" sz="1400" dirty="0" err="1"/>
+              <a:t>JUnit</a:t>
+            </a:r>
+            <a:r>
               <a:rPr lang="de-DE" altLang="de-DE" sz="1400" dirty="0"/>
-              <a:t>JUnit5 </a:t>
+              <a:t> </a:t>
             </a:r>
             <a:r>
               <a:rPr lang="de-DE" altLang="de-DE" sz="1400" dirty="0">
                 <a:hlinkClick r:id="rId7"/>
               </a:rPr>
-              <a:t>https://junit.org/junit5</a:t>
+              <a:t>https://junit.org/</a:t>
             </a:r>
             <a:endParaRPr lang="de-DE" altLang="de-DE" sz="1400" dirty="0"/>
           </a:p>
